--- a/files/prezka.pptx
+++ b/files/prezka.pptx
@@ -120,7 +120,68 @@
       </a:defRPr>
     </a:lvl9pPr>
   </p:defaultTextStyle>
+  <p:extLst>
+    <p:ext uri="{EFAFB233-063F-42B5-8137-9DF3F51BA10A}">
+      <p15:sldGuideLst xmlns:p15="http://schemas.microsoft.com/office/powerpoint/2012/main"/>
+    </p:ext>
+  </p:extLst>
 </p:presentation>
+</file>
+
+<file path=ppt/ink/ink1.xml><?xml version="1.0" encoding="utf-8"?>
+<inkml:ink xmlns:inkml="http://www.w3.org/2003/InkML">
+  <inkml:definitions>
+    <inkml:context xml:id="ctx0">
+      <inkml:inkSource xml:id="inkSrc0">
+        <inkml:traceFormat>
+          <inkml:channel name="X" type="integer" min="-2.14748E9" max="2.14748E9" units="cm"/>
+          <inkml:channel name="Y" type="integer" min="-2.14748E9" max="2.14748E9" units="cm"/>
+          <inkml:channel name="F" type="integer" max="32767" units="dev"/>
+        </inkml:traceFormat>
+        <inkml:channelProperties>
+          <inkml:channelProperty channel="X" name="resolution" value="1000" units="1/cm"/>
+          <inkml:channelProperty channel="Y" name="resolution" value="1000" units="1/cm"/>
+          <inkml:channelProperty channel="F" name="resolution" value="0" units="1/dev"/>
+        </inkml:channelProperties>
+      </inkml:inkSource>
+      <inkml:timestamp xml:id="ts0" timeString="2023-06-26T09:22:52.525"/>
+    </inkml:context>
+    <inkml:brush xml:id="br0">
+      <inkml:brushProperty name="width" value="0.05" units="cm"/>
+      <inkml:brushProperty name="height" value="0.05" units="cm"/>
+      <inkml:brushProperty name="color" value="#E71224"/>
+    </inkml:brush>
+  </inkml:definitions>
+  <inkml:trace contextRef="#ctx0" brushRef="#br0">0 1 24575,'0'12'0,"0"1"0,1 0 0,1-1 0,-1 1 0,2-1 0,0 1 0,0-1 0,1 0 0,1 0 0,10 20 0,116 220 0,-109-197 0,-18-43 0,0 0 0,1 0 0,0 0 0,10 14 0,-13-23 0,0 0 0,1 0 0,-1 0 0,1-1 0,0 1 0,0 0 0,0-1 0,0 0 0,0 0 0,0 0 0,1 0 0,-1 0 0,1-1 0,-1 0 0,1 1 0,0-1 0,-1-1 0,8 2 0,89 17-1365,-83-16-5461</inkml:trace>
+</inkml:ink>
+</file>
+
+<file path=ppt/ink/ink2.xml><?xml version="1.0" encoding="utf-8"?>
+<inkml:ink xmlns:inkml="http://www.w3.org/2003/InkML">
+  <inkml:definitions>
+    <inkml:context xml:id="ctx0">
+      <inkml:inkSource xml:id="inkSrc0">
+        <inkml:traceFormat>
+          <inkml:channel name="X" type="integer" min="-2.14748E9" max="2.14748E9" units="cm"/>
+          <inkml:channel name="Y" type="integer" min="-2.14748E9" max="2.14748E9" units="cm"/>
+          <inkml:channel name="F" type="integer" max="32767" units="dev"/>
+        </inkml:traceFormat>
+        <inkml:channelProperties>
+          <inkml:channelProperty channel="X" name="resolution" value="1000" units="1/cm"/>
+          <inkml:channelProperty channel="Y" name="resolution" value="1000" units="1/cm"/>
+          <inkml:channelProperty channel="F" name="resolution" value="0" units="1/dev"/>
+        </inkml:channelProperties>
+      </inkml:inkSource>
+      <inkml:timestamp xml:id="ts0" timeString="2023-06-26T09:22:53.087"/>
+    </inkml:context>
+    <inkml:brush xml:id="br0">
+      <inkml:brushProperty name="width" value="0.05" units="cm"/>
+      <inkml:brushProperty name="height" value="0.05" units="cm"/>
+      <inkml:brushProperty name="color" value="#E71224"/>
+    </inkml:brush>
+  </inkml:definitions>
+  <inkml:trace contextRef="#ctx0" brushRef="#br0">758 1 24575,'-51'18'0,"40"-16"0,-1 0 0,1 1 0,0 0 0,0 1 0,0 0 0,0 1 0,1 0 0,-1 1 0,1 0 0,1 0 0,-1 1 0,-11 11 0,5-4 0,-1-1 0,0-1 0,0 0 0,-24 10 0,21-11 0,1 0 0,0 1 0,-29 25 0,-13 12 0,-11 10 0,-55 54 0,54-67-1365,62-36-5461</inkml:trace>
+</inkml:ink>
 </file>
 
 <file path=ppt/slideLayouts/slideLayout1.xml><?xml version="1.0" encoding="utf-8"?>
@@ -353,7 +414,7 @@
             <a:fld id="{4EC743F4-8769-40B4-85DF-6CB8DE9F66AA}" type="datetimeFigureOut">
               <a:rPr lang="en-US" smtClean="0"/>
               <a:pPr/>
-              <a:t>6/25/2023</a:t>
+              <a:t>6/26/2023</a:t>
             </a:fld>
             <a:endParaRPr lang="en-US" dirty="0"/>
           </a:p>
@@ -689,7 +750,7 @@
             <a:fld id="{4EC743F4-8769-40B4-85DF-6CB8DE9F66AA}" type="datetimeFigureOut">
               <a:rPr lang="en-US" smtClean="0"/>
               <a:pPr/>
-              <a:t>6/25/2023</a:t>
+              <a:t>6/26/2023</a:t>
             </a:fld>
             <a:endParaRPr lang="en-US" dirty="0"/>
           </a:p>
@@ -969,7 +1030,7 @@
             <a:fld id="{4EC743F4-8769-40B4-85DF-6CB8DE9F66AA}" type="datetimeFigureOut">
               <a:rPr lang="en-US" smtClean="0"/>
               <a:pPr/>
-              <a:t>6/25/2023</a:t>
+              <a:t>6/26/2023</a:t>
             </a:fld>
             <a:endParaRPr lang="en-US" dirty="0"/>
           </a:p>
@@ -1539,7 +1600,7 @@
             <a:fld id="{4EC743F4-8769-40B4-85DF-6CB8DE9F66AA}" type="datetimeFigureOut">
               <a:rPr lang="en-US" smtClean="0"/>
               <a:pPr/>
-              <a:t>6/25/2023</a:t>
+              <a:t>6/26/2023</a:t>
             </a:fld>
             <a:endParaRPr lang="en-US" dirty="0"/>
           </a:p>
@@ -1819,7 +1880,7 @@
             <a:fld id="{4EC743F4-8769-40B4-85DF-6CB8DE9F66AA}" type="datetimeFigureOut">
               <a:rPr lang="en-US" smtClean="0"/>
               <a:pPr/>
-              <a:t>6/25/2023</a:t>
+              <a:t>6/26/2023</a:t>
             </a:fld>
             <a:endParaRPr lang="en-US" dirty="0"/>
           </a:p>
@@ -2383,7 +2444,7 @@
             <a:fld id="{4EC743F4-8769-40B4-85DF-6CB8DE9F66AA}" type="datetimeFigureOut">
               <a:rPr lang="en-US" smtClean="0"/>
               <a:pPr/>
-              <a:t>6/25/2023</a:t>
+              <a:t>6/26/2023</a:t>
             </a:fld>
             <a:endParaRPr lang="en-US" dirty="0"/>
           </a:p>
@@ -2712,7 +2773,7 @@
             <a:fld id="{4EC743F4-8769-40B4-85DF-6CB8DE9F66AA}" type="datetimeFigureOut">
               <a:rPr lang="en-US" smtClean="0"/>
               <a:pPr/>
-              <a:t>6/25/2023</a:t>
+              <a:t>6/26/2023</a:t>
             </a:fld>
             <a:endParaRPr lang="en-US" dirty="0"/>
           </a:p>
@@ -2891,7 +2952,7 @@
             <a:fld id="{4EC743F4-8769-40B4-85DF-6CB8DE9F66AA}" type="datetimeFigureOut">
               <a:rPr lang="en-US" smtClean="0"/>
               <a:pPr/>
-              <a:t>6/25/2023</a:t>
+              <a:t>6/26/2023</a:t>
             </a:fld>
             <a:endParaRPr lang="en-US" dirty="0"/>
           </a:p>
@@ -3131,7 +3192,7 @@
             <a:fld id="{4EC743F4-8769-40B4-85DF-6CB8DE9F66AA}" type="datetimeFigureOut">
               <a:rPr lang="en-US" smtClean="0"/>
               <a:pPr/>
-              <a:t>6/25/2023</a:t>
+              <a:t>6/26/2023</a:t>
             </a:fld>
             <a:endParaRPr lang="en-US" dirty="0"/>
           </a:p>
@@ -3333,7 +3394,7 @@
             <a:fld id="{4EC743F4-8769-40B4-85DF-6CB8DE9F66AA}" type="datetimeFigureOut">
               <a:rPr lang="en-US" smtClean="0"/>
               <a:pPr/>
-              <a:t>6/25/2023</a:t>
+              <a:t>6/26/2023</a:t>
             </a:fld>
             <a:endParaRPr lang="en-US" dirty="0"/>
           </a:p>
@@ -3611,7 +3672,7 @@
             <a:fld id="{4EC743F4-8769-40B4-85DF-6CB8DE9F66AA}" type="datetimeFigureOut">
               <a:rPr lang="en-US" smtClean="0"/>
               <a:pPr/>
-              <a:t>6/25/2023</a:t>
+              <a:t>6/26/2023</a:t>
             </a:fld>
             <a:endParaRPr lang="en-US" dirty="0"/>
           </a:p>
@@ -3879,7 +3940,7 @@
             <a:fld id="{4EC743F4-8769-40B4-85DF-6CB8DE9F66AA}" type="datetimeFigureOut">
               <a:rPr lang="en-US" smtClean="0"/>
               <a:pPr/>
-              <a:t>6/25/2023</a:t>
+              <a:t>6/26/2023</a:t>
             </a:fld>
             <a:endParaRPr lang="en-US" dirty="0"/>
           </a:p>
@@ -4255,7 +4316,7 @@
             <a:fld id="{4EC743F4-8769-40B4-85DF-6CB8DE9F66AA}" type="datetimeFigureOut">
               <a:rPr lang="en-US" smtClean="0"/>
               <a:pPr/>
-              <a:t>6/25/2023</a:t>
+              <a:t>6/26/2023</a:t>
             </a:fld>
             <a:endParaRPr lang="en-US" dirty="0"/>
           </a:p>
@@ -4405,7 +4466,7 @@
             <a:fld id="{4EC743F4-8769-40B4-85DF-6CB8DE9F66AA}" type="datetimeFigureOut">
               <a:rPr lang="en-US" smtClean="0"/>
               <a:pPr/>
-              <a:t>6/25/2023</a:t>
+              <a:t>6/26/2023</a:t>
             </a:fld>
             <a:endParaRPr lang="en-US" dirty="0"/>
           </a:p>
@@ -4532,7 +4593,7 @@
             <a:fld id="{4EC743F4-8769-40B4-85DF-6CB8DE9F66AA}" type="datetimeFigureOut">
               <a:rPr lang="en-US" smtClean="0"/>
               <a:pPr/>
-              <a:t>6/25/2023</a:t>
+              <a:t>6/26/2023</a:t>
             </a:fld>
             <a:endParaRPr lang="en-US" dirty="0"/>
           </a:p>
@@ -4819,7 +4880,7 @@
             <a:fld id="{4EC743F4-8769-40B4-85DF-6CB8DE9F66AA}" type="datetimeFigureOut">
               <a:rPr lang="en-US" smtClean="0"/>
               <a:pPr/>
-              <a:t>6/25/2023</a:t>
+              <a:t>6/26/2023</a:t>
             </a:fld>
             <a:endParaRPr lang="en-US" dirty="0"/>
           </a:p>
@@ -5145,7 +5206,7 @@
             <a:fld id="{4EC743F4-8769-40B4-85DF-6CB8DE9F66AA}" type="datetimeFigureOut">
               <a:rPr lang="en-US" smtClean="0"/>
               <a:pPr/>
-              <a:t>6/25/2023</a:t>
+              <a:t>6/26/2023</a:t>
             </a:fld>
             <a:endParaRPr lang="en-US" dirty="0"/>
           </a:p>
@@ -5361,7 +5422,7 @@
             <a:fld id="{4EC743F4-8769-40B4-85DF-6CB8DE9F66AA}" type="datetimeFigureOut">
               <a:rPr lang="en-US" smtClean="0"/>
               <a:pPr/>
-              <a:t>6/25/2023</a:t>
+              <a:t>6/26/2023</a:t>
             </a:fld>
             <a:endParaRPr lang="en-US" dirty="0"/>
           </a:p>
@@ -6338,6 +6399,129 @@
           </a:prstGeom>
         </p:spPr>
       </p:pic>
+      <p:grpSp>
+        <p:nvGrpSpPr>
+          <p:cNvPr id="6" name="Grupa 5">
+            <a:extLst>
+              <a:ext uri="{FF2B5EF4-FFF2-40B4-BE49-F238E27FC236}">
+                <a16:creationId xmlns:a16="http://schemas.microsoft.com/office/drawing/2014/main" id="{ADEBA367-E81C-62BF-A530-925BDCDF61B8}"/>
+              </a:ext>
+            </a:extLst>
+          </p:cNvPr>
+          <p:cNvGrpSpPr/>
+          <p:nvPr/>
+        </p:nvGrpSpPr>
+        <p:grpSpPr>
+          <a:xfrm>
+            <a:off x="6240145" y="2880937"/>
+            <a:ext cx="273240" cy="224280"/>
+            <a:chOff x="6240145" y="2880937"/>
+            <a:chExt cx="273240" cy="224280"/>
+          </a:xfrm>
+        </p:grpSpPr>
+        <mc:AlternateContent xmlns:mc="http://schemas.openxmlformats.org/markup-compatibility/2006">
+          <mc:Choice xmlns:p14="http://schemas.microsoft.com/office/powerpoint/2010/main" Requires="p14">
+            <p:contentPart p14:bwMode="auto" r:id="rId4">
+              <p14:nvContentPartPr>
+                <p14:cNvPr id="3" name="Pismo odręczne 2">
+                  <a:extLst>
+                    <a:ext uri="{FF2B5EF4-FFF2-40B4-BE49-F238E27FC236}">
+                      <a16:creationId xmlns:a16="http://schemas.microsoft.com/office/drawing/2014/main" id="{0B3701E1-1336-06CA-E489-D434BA8B0B20}"/>
+                    </a:ext>
+                  </a:extLst>
+                </p14:cNvPr>
+                <p14:cNvContentPartPr/>
+                <p14:nvPr/>
+              </p14:nvContentPartPr>
+              <p14:xfrm>
+                <a:off x="6331585" y="2889577"/>
+                <a:ext cx="146520" cy="215640"/>
+              </p14:xfrm>
+            </p:contentPart>
+          </mc:Choice>
+          <mc:Fallback>
+            <p:pic>
+              <p:nvPicPr>
+                <p:cNvPr id="3" name="Pismo odręczne 2">
+                  <a:extLst>
+                    <a:ext uri="{FF2B5EF4-FFF2-40B4-BE49-F238E27FC236}">
+                      <a16:creationId xmlns:a16="http://schemas.microsoft.com/office/drawing/2014/main" id="{0B3701E1-1336-06CA-E489-D434BA8B0B20}"/>
+                    </a:ext>
+                  </a:extLst>
+                </p:cNvPr>
+                <p:cNvPicPr/>
+                <p:nvPr/>
+              </p:nvPicPr>
+              <p:blipFill>
+                <a:blip r:embed="rId5"/>
+                <a:stretch>
+                  <a:fillRect/>
+                </a:stretch>
+              </p:blipFill>
+              <p:spPr>
+                <a:xfrm>
+                  <a:off x="6322585" y="2880937"/>
+                  <a:ext cx="164160" cy="233280"/>
+                </a:xfrm>
+                <a:prstGeom prst="rect">
+                  <a:avLst/>
+                </a:prstGeom>
+              </p:spPr>
+            </p:pic>
+          </mc:Fallback>
+        </mc:AlternateContent>
+        <mc:AlternateContent xmlns:mc="http://schemas.openxmlformats.org/markup-compatibility/2006">
+          <mc:Choice xmlns:p14="http://schemas.microsoft.com/office/powerpoint/2010/main" Requires="p14">
+            <p:contentPart p14:bwMode="auto" r:id="rId6">
+              <p14:nvContentPartPr>
+                <p14:cNvPr id="4" name="Pismo odręczne 3">
+                  <a:extLst>
+                    <a:ext uri="{FF2B5EF4-FFF2-40B4-BE49-F238E27FC236}">
+                      <a16:creationId xmlns:a16="http://schemas.microsoft.com/office/drawing/2014/main" id="{1D903D15-1CC6-0DE5-F01F-DCD4FF11E616}"/>
+                    </a:ext>
+                  </a:extLst>
+                </p14:cNvPr>
+                <p14:cNvContentPartPr/>
+                <p14:nvPr/>
+              </p14:nvContentPartPr>
+              <p14:xfrm>
+                <a:off x="6240145" y="2880937"/>
+                <a:ext cx="273240" cy="183960"/>
+              </p14:xfrm>
+            </p:contentPart>
+          </mc:Choice>
+          <mc:Fallback>
+            <p:pic>
+              <p:nvPicPr>
+                <p:cNvPr id="4" name="Pismo odręczne 3">
+                  <a:extLst>
+                    <a:ext uri="{FF2B5EF4-FFF2-40B4-BE49-F238E27FC236}">
+                      <a16:creationId xmlns:a16="http://schemas.microsoft.com/office/drawing/2014/main" id="{1D903D15-1CC6-0DE5-F01F-DCD4FF11E616}"/>
+                    </a:ext>
+                  </a:extLst>
+                </p:cNvPr>
+                <p:cNvPicPr/>
+                <p:nvPr/>
+              </p:nvPicPr>
+              <p:blipFill>
+                <a:blip r:embed="rId7"/>
+                <a:stretch>
+                  <a:fillRect/>
+                </a:stretch>
+              </p:blipFill>
+              <p:spPr>
+                <a:xfrm>
+                  <a:off x="6231145" y="2872297"/>
+                  <a:ext cx="290880" cy="201600"/>
+                </a:xfrm>
+                <a:prstGeom prst="rect">
+                  <a:avLst/>
+                </a:prstGeom>
+              </p:spPr>
+            </p:pic>
+          </mc:Fallback>
+        </mc:AlternateContent>
+      </p:grpSp>
     </p:spTree>
     <p:extLst>
       <p:ext uri="{BB962C8B-B14F-4D97-AF65-F5344CB8AC3E}">
@@ -8239,8 +8423,8 @@
           </a:p>
         </p:txBody>
       </p:sp>
-      <mc:AlternateContent xmlns:mc="http://schemas.openxmlformats.org/markup-compatibility/2006">
-        <mc:Choice xmlns:a14="http://schemas.microsoft.com/office/drawing/2010/main" Requires="a14">
+      <mc:AlternateContent xmlns:mc="http://schemas.openxmlformats.org/markup-compatibility/2006" xmlns:a14="http://schemas.microsoft.com/office/drawing/2010/main">
+        <mc:Choice Requires="a14">
           <p:sp>
             <p:nvSpPr>
               <p:cNvPr id="3" name="Symbol zastępczy zawartości 2">
@@ -8844,7 +9028,7 @@
             </p:txBody>
           </p:sp>
         </mc:Choice>
-        <mc:Fallback>
+        <mc:Fallback xmlns="">
           <p:sp>
             <p:nvSpPr>
               <p:cNvPr id="3" name="Symbol zastępczy zawartości 2">
@@ -8942,8 +9126,8 @@
           </a:p>
         </p:txBody>
       </p:sp>
-      <mc:AlternateContent xmlns:mc="http://schemas.openxmlformats.org/markup-compatibility/2006">
-        <mc:Choice xmlns:a14="http://schemas.microsoft.com/office/drawing/2010/main" Requires="a14">
+      <mc:AlternateContent xmlns:mc="http://schemas.openxmlformats.org/markup-compatibility/2006" xmlns:a14="http://schemas.microsoft.com/office/drawing/2010/main">
+        <mc:Choice Requires="a14">
           <p:sp>
             <p:nvSpPr>
               <p:cNvPr id="3" name="Symbol zastępczy zawartości 2">
@@ -9112,7 +9296,7 @@
             </p:txBody>
           </p:sp>
         </mc:Choice>
-        <mc:Fallback>
+        <mc:Fallback xmlns="">
           <p:sp>
             <p:nvSpPr>
               <p:cNvPr id="3" name="Symbol zastępczy zawartości 2">
